--- a/01_Version Control.pptx
+++ b/01_Version Control.pptx
@@ -717,7 +717,7 @@
           <a:graphicData uri="http://schemas.openxmlformats.org/presentationml/2006/ole">
             <mc:AlternateContent xmlns:mc="http://schemas.openxmlformats.org/markup-compatibility/2006">
               <mc:Choice xmlns:v="urn:schemas-microsoft-com:vml" Requires="v">
-                <p:oleObj spid="_x0000_s109637" name="think-cell Slide" r:id="rId5" imgW="451" imgH="450" progId="TCLayout.ActiveDocument.1">
+                <p:oleObj spid="_x0000_s109638" name="think-cell Slide" r:id="rId5" imgW="451" imgH="450" progId="TCLayout.ActiveDocument.1">
                   <p:embed/>
                 </p:oleObj>
               </mc:Choice>
@@ -1253,7 +1253,7 @@
           <a:graphicData uri="http://schemas.openxmlformats.org/presentationml/2006/ole">
             <mc:AlternateContent xmlns:mc="http://schemas.openxmlformats.org/markup-compatibility/2006">
               <mc:Choice xmlns:v="urn:schemas-microsoft-com:vml" Requires="v">
-                <p:oleObj spid="_x0000_s112705" name="think-cell Slide" r:id="rId5" imgW="451" imgH="450" progId="TCLayout.ActiveDocument.1">
+                <p:oleObj spid="_x0000_s112706" name="think-cell Slide" r:id="rId5" imgW="451" imgH="450" progId="TCLayout.ActiveDocument.1">
                   <p:embed/>
                 </p:oleObj>
               </mc:Choice>
@@ -1483,7 +1483,7 @@
           <a:graphicData uri="http://schemas.openxmlformats.org/presentationml/2006/ole">
             <mc:AlternateContent xmlns:mc="http://schemas.openxmlformats.org/markup-compatibility/2006">
               <mc:Choice xmlns:v="urn:schemas-microsoft-com:vml" Requires="v">
-                <p:oleObj spid="_x0000_s110661" name="think-cell Slide" r:id="rId5" imgW="451" imgH="450" progId="TCLayout.ActiveDocument.1">
+                <p:oleObj spid="_x0000_s110662" name="think-cell Slide" r:id="rId5" imgW="451" imgH="450" progId="TCLayout.ActiveDocument.1">
                   <p:embed/>
                 </p:oleObj>
               </mc:Choice>
@@ -1801,7 +1801,7 @@
           <a:graphicData uri="http://schemas.openxmlformats.org/presentationml/2006/ole">
             <mc:AlternateContent xmlns:mc="http://schemas.openxmlformats.org/markup-compatibility/2006">
               <mc:Choice xmlns:v="urn:schemas-microsoft-com:vml" Requires="v">
-                <p:oleObj spid="_x0000_s199698" name="think-cell Slide" r:id="rId5" imgW="451" imgH="450" progId="TCLayout.ActiveDocument.1">
+                <p:oleObj spid="_x0000_s199699" name="think-cell Slide" r:id="rId5" imgW="451" imgH="450" progId="TCLayout.ActiveDocument.1">
                   <p:embed/>
                 </p:oleObj>
               </mc:Choice>
@@ -2202,7 +2202,7 @@
           <a:graphicData uri="http://schemas.openxmlformats.org/presentationml/2006/ole">
             <mc:AlternateContent xmlns:mc="http://schemas.openxmlformats.org/markup-compatibility/2006">
               <mc:Choice xmlns:v="urn:schemas-microsoft-com:vml" Requires="v">
-                <p:oleObj spid="_x0000_s108617" name="think-cell Slide" r:id="rId9" imgW="451" imgH="450" progId="TCLayout.ActiveDocument.1">
+                <p:oleObj spid="_x0000_s108618" name="think-cell Slide" r:id="rId9" imgW="451" imgH="450" progId="TCLayout.ActiveDocument.1">
                   <p:embed/>
                 </p:oleObj>
               </mc:Choice>
@@ -2963,7 +2963,7 @@
           <a:graphicData uri="http://schemas.openxmlformats.org/presentationml/2006/ole">
             <mc:AlternateContent xmlns:mc="http://schemas.openxmlformats.org/markup-compatibility/2006">
               <mc:Choice xmlns:v="urn:schemas-microsoft-com:vml" Requires="v">
-                <p:oleObj spid="_x0000_s235526" name="think-cell Slide" r:id="rId5" imgW="7772400" imgH="10058400" progId="TCLayout.ActiveDocument.1">
+                <p:oleObj spid="_x0000_s235527" name="think-cell Slide" r:id="rId5" imgW="7772400" imgH="10058400" progId="TCLayout.ActiveDocument.1">
                   <p:embed/>
                 </p:oleObj>
               </mc:Choice>
@@ -3809,7 +3809,7 @@
           <a:graphicData uri="http://schemas.openxmlformats.org/presentationml/2006/ole">
             <mc:AlternateContent xmlns:mc="http://schemas.openxmlformats.org/markup-compatibility/2006">
               <mc:Choice xmlns:v="urn:schemas-microsoft-com:vml" Requires="v">
-                <p:oleObj spid="_x0000_s234506" name="think-cell Slide" r:id="rId4" imgW="451" imgH="450" progId="TCLayout.ActiveDocument.1">
+                <p:oleObj spid="_x0000_s234507" name="think-cell Slide" r:id="rId4" imgW="451" imgH="450" progId="TCLayout.ActiveDocument.1">
                   <p:embed/>
                 </p:oleObj>
               </mc:Choice>
@@ -4993,7 +4993,7 @@
           <a:graphicData uri="http://schemas.openxmlformats.org/presentationml/2006/ole">
             <mc:AlternateContent xmlns:mc="http://schemas.openxmlformats.org/markup-compatibility/2006">
               <mc:Choice xmlns:v="urn:schemas-microsoft-com:vml" Requires="v">
-                <p:oleObj spid="_x0000_s236548" name="think-cell Slide" r:id="rId5" imgW="7772400" imgH="10058400" progId="TCLayout.ActiveDocument.1">
+                <p:oleObj spid="_x0000_s236549" name="think-cell Slide" r:id="rId5" imgW="7772400" imgH="10058400" progId="TCLayout.ActiveDocument.1">
                   <p:embed/>
                 </p:oleObj>
               </mc:Choice>
@@ -5668,7 +5668,7 @@
           <a:graphicData uri="http://schemas.openxmlformats.org/presentationml/2006/ole">
             <mc:AlternateContent xmlns:mc="http://schemas.openxmlformats.org/markup-compatibility/2006">
               <mc:Choice xmlns:v="urn:schemas-microsoft-com:vml" Requires="v">
-                <p:oleObj spid="_x0000_s237570" name="think-cell Slide" r:id="rId5" imgW="7772400" imgH="10058400" progId="TCLayout.ActiveDocument.1">
+                <p:oleObj spid="_x0000_s237571" name="think-cell Slide" r:id="rId5" imgW="7772400" imgH="10058400" progId="TCLayout.ActiveDocument.1">
                   <p:embed/>
                 </p:oleObj>
               </mc:Choice>
@@ -6276,6 +6276,131 @@
           <a:chExt cx="0" cy="0"/>
         </a:xfrm>
       </p:grpSpPr>
+      <p:graphicFrame>
+        <p:nvGraphicFramePr>
+          <p:cNvPr id="7" name="Object 6" hidden="1">
+            <a:extLst>
+              <a:ext uri="{FF2B5EF4-FFF2-40B4-BE49-F238E27FC236}">
+                <a16:creationId xmlns:a16="http://schemas.microsoft.com/office/drawing/2014/main" id="{1D652FED-5FF2-3549-AC40-0D2A97EC7B86}"/>
+              </a:ext>
+            </a:extLst>
+          </p:cNvPr>
+          <p:cNvGraphicFramePr>
+            <a:graphicFrameLocks noChangeAspect="1"/>
+          </p:cNvGraphicFramePr>
+          <p:nvPr>
+            <p:custDataLst>
+              <p:tags r:id="rId2"/>
+            </p:custDataLst>
+            <p:extLst>
+              <p:ext uri="{D42A27DB-BD31-4B8C-83A1-F6EECF244321}">
+                <p14:modId xmlns:p14="http://schemas.microsoft.com/office/powerpoint/2010/main" val="270888457"/>
+              </p:ext>
+            </p:extLst>
+          </p:nvPr>
+        </p:nvGraphicFramePr>
+        <p:xfrm>
+          <a:off x="1588" y="1588"/>
+          <a:ext cx="1587" cy="1587"/>
+        </p:xfrm>
+        <a:graphic>
+          <a:graphicData uri="http://schemas.openxmlformats.org/presentationml/2006/ole">
+            <mc:AlternateContent xmlns:mc="http://schemas.openxmlformats.org/markup-compatibility/2006">
+              <mc:Choice xmlns:v="urn:schemas-microsoft-com:vml" Requires="v">
+                <p:oleObj spid="_x0000_s238593" name="think-cell Slide" r:id="rId5" imgW="7772400" imgH="10058400" progId="TCLayout.ActiveDocument.1">
+                  <p:embed/>
+                </p:oleObj>
+              </mc:Choice>
+              <mc:Fallback>
+                <p:oleObj name="think-cell Slide" r:id="rId5" imgW="7772400" imgH="10058400" progId="TCLayout.ActiveDocument.1">
+                  <p:embed/>
+                  <p:pic>
+                    <p:nvPicPr>
+                      <p:cNvPr id="0" name=""/>
+                      <p:cNvPicPr/>
+                      <p:nvPr/>
+                    </p:nvPicPr>
+                    <p:blipFill>
+                      <a:blip r:embed="rId6"/>
+                      <a:stretch>
+                        <a:fillRect/>
+                      </a:stretch>
+                    </p:blipFill>
+                    <p:spPr>
+                      <a:xfrm>
+                        <a:off x="1588" y="1588"/>
+                        <a:ext cx="1587" cy="1587"/>
+                      </a:xfrm>
+                      <a:prstGeom prst="rect">
+                        <a:avLst/>
+                      </a:prstGeom>
+                    </p:spPr>
+                  </p:pic>
+                </p:oleObj>
+              </mc:Fallback>
+            </mc:AlternateContent>
+          </a:graphicData>
+        </a:graphic>
+      </p:graphicFrame>
+      <p:sp>
+        <p:nvSpPr>
+          <p:cNvPr id="6" name="Rectangle 5" hidden="1">
+            <a:extLst>
+              <a:ext uri="{FF2B5EF4-FFF2-40B4-BE49-F238E27FC236}">
+                <a16:creationId xmlns:a16="http://schemas.microsoft.com/office/drawing/2014/main" id="{58472391-5926-1545-A0AE-4B44D605DBFF}"/>
+              </a:ext>
+            </a:extLst>
+          </p:cNvPr>
+          <p:cNvSpPr/>
+          <p:nvPr>
+            <p:custDataLst>
+              <p:tags r:id="rId3"/>
+            </p:custDataLst>
+          </p:nvPr>
+        </p:nvSpPr>
+        <p:spPr>
+          <a:xfrm>
+            <a:off x="0" y="0"/>
+            <a:ext cx="158750" cy="158750"/>
+          </a:xfrm>
+          <a:prstGeom prst="rect">
+            <a:avLst/>
+          </a:prstGeom>
+        </p:spPr>
+        <p:style>
+          <a:lnRef idx="2">
+            <a:schemeClr val="accent1">
+              <a:shade val="50000"/>
+            </a:schemeClr>
+          </a:lnRef>
+          <a:fillRef idx="1">
+            <a:schemeClr val="accent1"/>
+          </a:fillRef>
+          <a:effectRef idx="0">
+            <a:schemeClr val="accent1"/>
+          </a:effectRef>
+          <a:fontRef idx="minor">
+            <a:schemeClr val="lt1"/>
+          </a:fontRef>
+        </p:style>
+        <p:txBody>
+          <a:bodyPr rot="0" spcFirstLastPara="0" vertOverflow="overflow" horzOverflow="overflow" vert="horz" wrap="none" lIns="0" tIns="0" rIns="0" bIns="0" numCol="1" spcCol="0" rtlCol="0" fromWordArt="0" anchor="ctr" anchorCtr="0" forceAA="0" compatLnSpc="1">
+            <a:prstTxWarp prst="textNoShape">
+              <a:avLst/>
+            </a:prstTxWarp>
+            <a:noAutofit/>
+          </a:bodyPr>
+          <a:lstStyle/>
+          <a:p>
+            <a:pPr algn="ctr"/>
+            <a:endParaRPr lang="en-US" sz="2400" b="1" dirty="0">
+              <a:latin typeface="Arial" panose="020B0604020202020204" pitchFamily="34" charset="0"/>
+              <a:ea typeface="+mj-ea"/>
+              <a:sym typeface="Arial" panose="020B0604020202020204" pitchFamily="34" charset="0"/>
+            </a:endParaRPr>
+          </a:p>
+        </p:txBody>
+      </p:sp>
       <p:sp>
         <p:nvSpPr>
           <p:cNvPr id="2" name="Titel 1">
@@ -6299,7 +6424,15 @@
           <a:p>
             <a:r>
               <a:rPr lang="en-US" dirty="0"/>
-              <a:t>Work in a feature branch</a:t>
+              <a:t>Work </a:t>
+            </a:r>
+            <a:r>
+              <a:rPr lang="en-US"/>
+              <a:t>in a new </a:t>
+            </a:r>
+            <a:r>
+              <a:rPr lang="en-US" dirty="0"/>
+              <a:t>feature branch</a:t>
             </a:r>
           </a:p>
         </p:txBody>
@@ -7651,7 +7784,7 @@
           <a:graphicData uri="http://schemas.openxmlformats.org/presentationml/2006/ole">
             <mc:AlternateContent xmlns:mc="http://schemas.openxmlformats.org/markup-compatibility/2006">
               <mc:Choice xmlns:v="urn:schemas-microsoft-com:vml" Requires="v">
-                <p:oleObj spid="_x0000_s231436" name="think-cell Slide" r:id="rId4" imgW="451" imgH="450" progId="TCLayout.ActiveDocument.1">
+                <p:oleObj spid="_x0000_s231437" name="think-cell Slide" r:id="rId4" imgW="451" imgH="450" progId="TCLayout.ActiveDocument.1">
                   <p:embed/>
                 </p:oleObj>
               </mc:Choice>
@@ -9201,7 +9334,7 @@
           <a:graphicData uri="http://schemas.openxmlformats.org/presentationml/2006/ole">
             <mc:AlternateContent xmlns:mc="http://schemas.openxmlformats.org/markup-compatibility/2006">
               <mc:Choice xmlns:v="urn:schemas-microsoft-com:vml" Requires="v">
-                <p:oleObj spid="_x0000_s232458" name="think-cell Slide" r:id="rId4" imgW="451" imgH="450" progId="TCLayout.ActiveDocument.1">
+                <p:oleObj spid="_x0000_s232459" name="think-cell Slide" r:id="rId4" imgW="451" imgH="450" progId="TCLayout.ActiveDocument.1">
                   <p:embed/>
                 </p:oleObj>
               </mc:Choice>
@@ -10912,7 +11045,7 @@
           <a:graphicData uri="http://schemas.openxmlformats.org/presentationml/2006/ole">
             <mc:AlternateContent xmlns:mc="http://schemas.openxmlformats.org/markup-compatibility/2006">
               <mc:Choice xmlns:v="urn:schemas-microsoft-com:vml" Requires="v">
-                <p:oleObj spid="_x0000_s233482" name="think-cell Slide" r:id="rId4" imgW="451" imgH="450" progId="TCLayout.ActiveDocument.1">
+                <p:oleObj spid="_x0000_s233483" name="think-cell Slide" r:id="rId4" imgW="451" imgH="450" progId="TCLayout.ActiveDocument.1">
                   <p:embed/>
                 </p:oleObj>
               </mc:Choice>
@@ -12346,6 +12479,18 @@
 <file path=ppt/tags/tag21.xml><?xml version="1.0" encoding="utf-8"?>
 <p:tagLst xmlns:a="http://schemas.openxmlformats.org/drawingml/2006/main" xmlns:r="http://schemas.openxmlformats.org/officeDocument/2006/relationships" xmlns:p="http://schemas.openxmlformats.org/presentationml/2006/main">
   <p:tag name="THINKCELLSHAPEDONOTDELETE" val="teETvZJWGOjCAOrZlfnSurw"/>
+</p:tagLst>
+</file>
+
+<file path=ppt/tags/tag22.xml><?xml version="1.0" encoding="utf-8"?>
+<p:tagLst xmlns:a="http://schemas.openxmlformats.org/drawingml/2006/main" xmlns:r="http://schemas.openxmlformats.org/officeDocument/2006/relationships" xmlns:p="http://schemas.openxmlformats.org/presentationml/2006/main">
+  <p:tag name="THINKCELLSHAPEDONOTDELETE" val="thinkcellActiveDocDoNotDelete"/>
+</p:tagLst>
+</file>
+
+<file path=ppt/tags/tag23.xml><?xml version="1.0" encoding="utf-8"?>
+<p:tagLst xmlns:a="http://schemas.openxmlformats.org/drawingml/2006/main" xmlns:r="http://schemas.openxmlformats.org/officeDocument/2006/relationships" xmlns:p="http://schemas.openxmlformats.org/presentationml/2006/main">
+  <p:tag name="THINKCELLSHAPEDONOTDELETE" val="ti1FGn0QE1I57lxlEkddJOg"/>
 </p:tagLst>
 </file>
 

--- a/01_Version Control.pptx
+++ b/01_Version Control.pptx
@@ -717,7 +717,7 @@
           <a:graphicData uri="http://schemas.openxmlformats.org/presentationml/2006/ole">
             <mc:AlternateContent xmlns:mc="http://schemas.openxmlformats.org/markup-compatibility/2006">
               <mc:Choice xmlns:v="urn:schemas-microsoft-com:vml" Requires="v">
-                <p:oleObj spid="_x0000_s109638" name="think-cell Slide" r:id="rId5" imgW="451" imgH="450" progId="TCLayout.ActiveDocument.1">
+                <p:oleObj spid="_x0000_s109639" name="think-cell Slide" r:id="rId5" imgW="451" imgH="450" progId="TCLayout.ActiveDocument.1">
                   <p:embed/>
                 </p:oleObj>
               </mc:Choice>
@@ -1253,7 +1253,7 @@
           <a:graphicData uri="http://schemas.openxmlformats.org/presentationml/2006/ole">
             <mc:AlternateContent xmlns:mc="http://schemas.openxmlformats.org/markup-compatibility/2006">
               <mc:Choice xmlns:v="urn:schemas-microsoft-com:vml" Requires="v">
-                <p:oleObj spid="_x0000_s112706" name="think-cell Slide" r:id="rId5" imgW="451" imgH="450" progId="TCLayout.ActiveDocument.1">
+                <p:oleObj spid="_x0000_s112707" name="think-cell Slide" r:id="rId5" imgW="451" imgH="450" progId="TCLayout.ActiveDocument.1">
                   <p:embed/>
                 </p:oleObj>
               </mc:Choice>
@@ -1483,7 +1483,7 @@
           <a:graphicData uri="http://schemas.openxmlformats.org/presentationml/2006/ole">
             <mc:AlternateContent xmlns:mc="http://schemas.openxmlformats.org/markup-compatibility/2006">
               <mc:Choice xmlns:v="urn:schemas-microsoft-com:vml" Requires="v">
-                <p:oleObj spid="_x0000_s110662" name="think-cell Slide" r:id="rId5" imgW="451" imgH="450" progId="TCLayout.ActiveDocument.1">
+                <p:oleObj spid="_x0000_s110663" name="think-cell Slide" r:id="rId5" imgW="451" imgH="450" progId="TCLayout.ActiveDocument.1">
                   <p:embed/>
                 </p:oleObj>
               </mc:Choice>
@@ -1801,7 +1801,7 @@
           <a:graphicData uri="http://schemas.openxmlformats.org/presentationml/2006/ole">
             <mc:AlternateContent xmlns:mc="http://schemas.openxmlformats.org/markup-compatibility/2006">
               <mc:Choice xmlns:v="urn:schemas-microsoft-com:vml" Requires="v">
-                <p:oleObj spid="_x0000_s199699" name="think-cell Slide" r:id="rId5" imgW="451" imgH="450" progId="TCLayout.ActiveDocument.1">
+                <p:oleObj spid="_x0000_s199700" name="think-cell Slide" r:id="rId5" imgW="451" imgH="450" progId="TCLayout.ActiveDocument.1">
                   <p:embed/>
                 </p:oleObj>
               </mc:Choice>
@@ -2202,7 +2202,7 @@
           <a:graphicData uri="http://schemas.openxmlformats.org/presentationml/2006/ole">
             <mc:AlternateContent xmlns:mc="http://schemas.openxmlformats.org/markup-compatibility/2006">
               <mc:Choice xmlns:v="urn:schemas-microsoft-com:vml" Requires="v">
-                <p:oleObj spid="_x0000_s108618" name="think-cell Slide" r:id="rId9" imgW="451" imgH="450" progId="TCLayout.ActiveDocument.1">
+                <p:oleObj spid="_x0000_s108619" name="think-cell Slide" r:id="rId9" imgW="451" imgH="450" progId="TCLayout.ActiveDocument.1">
                   <p:embed/>
                 </p:oleObj>
               </mc:Choice>
@@ -2963,7 +2963,7 @@
           <a:graphicData uri="http://schemas.openxmlformats.org/presentationml/2006/ole">
             <mc:AlternateContent xmlns:mc="http://schemas.openxmlformats.org/markup-compatibility/2006">
               <mc:Choice xmlns:v="urn:schemas-microsoft-com:vml" Requires="v">
-                <p:oleObj spid="_x0000_s235527" name="think-cell Slide" r:id="rId5" imgW="7772400" imgH="10058400" progId="TCLayout.ActiveDocument.1">
+                <p:oleObj spid="_x0000_s235528" name="think-cell Slide" r:id="rId5" imgW="7772400" imgH="10058400" progId="TCLayout.ActiveDocument.1">
                   <p:embed/>
                 </p:oleObj>
               </mc:Choice>
@@ -3809,7 +3809,7 @@
           <a:graphicData uri="http://schemas.openxmlformats.org/presentationml/2006/ole">
             <mc:AlternateContent xmlns:mc="http://schemas.openxmlformats.org/markup-compatibility/2006">
               <mc:Choice xmlns:v="urn:schemas-microsoft-com:vml" Requires="v">
-                <p:oleObj spid="_x0000_s234507" name="think-cell Slide" r:id="rId4" imgW="451" imgH="450" progId="TCLayout.ActiveDocument.1">
+                <p:oleObj spid="_x0000_s234508" name="think-cell Slide" r:id="rId4" imgW="451" imgH="450" progId="TCLayout.ActiveDocument.1">
                   <p:embed/>
                 </p:oleObj>
               </mc:Choice>
@@ -4993,7 +4993,7 @@
           <a:graphicData uri="http://schemas.openxmlformats.org/presentationml/2006/ole">
             <mc:AlternateContent xmlns:mc="http://schemas.openxmlformats.org/markup-compatibility/2006">
               <mc:Choice xmlns:v="urn:schemas-microsoft-com:vml" Requires="v">
-                <p:oleObj spid="_x0000_s236549" name="think-cell Slide" r:id="rId5" imgW="7772400" imgH="10058400" progId="TCLayout.ActiveDocument.1">
+                <p:oleObj spid="_x0000_s236550" name="think-cell Slide" r:id="rId5" imgW="7772400" imgH="10058400" progId="TCLayout.ActiveDocument.1">
                   <p:embed/>
                 </p:oleObj>
               </mc:Choice>
@@ -5668,7 +5668,7 @@
           <a:graphicData uri="http://schemas.openxmlformats.org/presentationml/2006/ole">
             <mc:AlternateContent xmlns:mc="http://schemas.openxmlformats.org/markup-compatibility/2006">
               <mc:Choice xmlns:v="urn:schemas-microsoft-com:vml" Requires="v">
-                <p:oleObj spid="_x0000_s237571" name="think-cell Slide" r:id="rId5" imgW="7772400" imgH="10058400" progId="TCLayout.ActiveDocument.1">
+                <p:oleObj spid="_x0000_s237572" name="think-cell Slide" r:id="rId5" imgW="7772400" imgH="10058400" progId="TCLayout.ActiveDocument.1">
                   <p:embed/>
                 </p:oleObj>
               </mc:Choice>
@@ -6307,7 +6307,7 @@
           <a:graphicData uri="http://schemas.openxmlformats.org/presentationml/2006/ole">
             <mc:AlternateContent xmlns:mc="http://schemas.openxmlformats.org/markup-compatibility/2006">
               <mc:Choice xmlns:v="urn:schemas-microsoft-com:vml" Requires="v">
-                <p:oleObj spid="_x0000_s238593" name="think-cell Slide" r:id="rId5" imgW="7772400" imgH="10058400" progId="TCLayout.ActiveDocument.1">
+                <p:oleObj spid="_x0000_s238594" name="think-cell Slide" r:id="rId5" imgW="7772400" imgH="10058400" progId="TCLayout.ActiveDocument.1">
                   <p:embed/>
                 </p:oleObj>
               </mc:Choice>
@@ -6735,7 +6735,15 @@
             </a:pPr>
             <a:r>
               <a:rPr lang="en-US" sz="1800" i="1" dirty="0"/>
-              <a:t>git fetch -p upstream	(update from upstream)</a:t>
+              <a:t>git fetch -p origin	(update from </a:t>
+            </a:r>
+            <a:r>
+              <a:rPr lang="en-US" sz="1800" i="1" dirty="0" err="1"/>
+              <a:t>github</a:t>
+            </a:r>
+            <a:r>
+              <a:rPr lang="en-US" sz="1800" i="1" dirty="0"/>
+              <a:t>)</a:t>
             </a:r>
           </a:p>
           <a:p>
@@ -6760,7 +6768,7 @@
             </a:r>
             <a:r>
               <a:rPr lang="de-DE" sz="1800" i="1" dirty="0" err="1"/>
-              <a:t>upstream</a:t>
+              <a:t>origin</a:t>
             </a:r>
             <a:r>
               <a:rPr lang="de-DE" sz="1800" i="1" dirty="0"/>
@@ -6792,7 +6800,11 @@
             </a:r>
             <a:r>
               <a:rPr lang="de-DE" sz="1800" i="1" dirty="0" err="1"/>
-              <a:t>master</a:t>
+              <a:t>local</a:t>
+            </a:r>
+            <a:r>
+              <a:rPr lang="de-DE" sz="1800" i="1"/>
+              <a:t> master</a:t>
             </a:r>
             <a:r>
               <a:rPr lang="de-DE" sz="1800" i="1" dirty="0"/>
@@ -7784,7 +7796,7 @@
           <a:graphicData uri="http://schemas.openxmlformats.org/presentationml/2006/ole">
             <mc:AlternateContent xmlns:mc="http://schemas.openxmlformats.org/markup-compatibility/2006">
               <mc:Choice xmlns:v="urn:schemas-microsoft-com:vml" Requires="v">
-                <p:oleObj spid="_x0000_s231437" name="think-cell Slide" r:id="rId4" imgW="451" imgH="450" progId="TCLayout.ActiveDocument.1">
+                <p:oleObj spid="_x0000_s231438" name="think-cell Slide" r:id="rId4" imgW="451" imgH="450" progId="TCLayout.ActiveDocument.1">
                   <p:embed/>
                 </p:oleObj>
               </mc:Choice>
@@ -9334,7 +9346,7 @@
           <a:graphicData uri="http://schemas.openxmlformats.org/presentationml/2006/ole">
             <mc:AlternateContent xmlns:mc="http://schemas.openxmlformats.org/markup-compatibility/2006">
               <mc:Choice xmlns:v="urn:schemas-microsoft-com:vml" Requires="v">
-                <p:oleObj spid="_x0000_s232459" name="think-cell Slide" r:id="rId4" imgW="451" imgH="450" progId="TCLayout.ActiveDocument.1">
+                <p:oleObj spid="_x0000_s232460" name="think-cell Slide" r:id="rId4" imgW="451" imgH="450" progId="TCLayout.ActiveDocument.1">
                   <p:embed/>
                 </p:oleObj>
               </mc:Choice>
@@ -11045,7 +11057,7 @@
           <a:graphicData uri="http://schemas.openxmlformats.org/presentationml/2006/ole">
             <mc:AlternateContent xmlns:mc="http://schemas.openxmlformats.org/markup-compatibility/2006">
               <mc:Choice xmlns:v="urn:schemas-microsoft-com:vml" Requires="v">
-                <p:oleObj spid="_x0000_s233483" name="think-cell Slide" r:id="rId4" imgW="451" imgH="450" progId="TCLayout.ActiveDocument.1">
+                <p:oleObj spid="_x0000_s233484" name="think-cell Slide" r:id="rId4" imgW="451" imgH="450" progId="TCLayout.ActiveDocument.1">
                   <p:embed/>
                 </p:oleObj>
               </mc:Choice>

--- a/01_Version Control.pptx
+++ b/01_Version Control.pptx
@@ -5,10 +5,10 @@
     <p:sldMasterId id="2147483648" r:id="rId1"/>
   </p:sldMasterIdLst>
   <p:notesMasterIdLst>
-    <p:notesMasterId r:id="rId21"/>
+    <p:notesMasterId r:id="rId20"/>
   </p:notesMasterIdLst>
   <p:handoutMasterIdLst>
-    <p:handoutMasterId r:id="rId22"/>
+    <p:handoutMasterId r:id="rId21"/>
   </p:handoutMasterIdLst>
   <p:sldIdLst>
     <p:sldId id="256" r:id="rId2"/>
@@ -29,12 +29,11 @@
     <p:sldId id="312" r:id="rId17"/>
     <p:sldId id="314" r:id="rId18"/>
     <p:sldId id="317" r:id="rId19"/>
-    <p:sldId id="316" r:id="rId20"/>
   </p:sldIdLst>
   <p:sldSz cx="12192000" cy="6858000"/>
   <p:notesSz cx="9926638" cy="6797675"/>
   <p:custDataLst>
-    <p:tags r:id="rId23"/>
+    <p:tags r:id="rId22"/>
   </p:custDataLst>
   <p:defaultTextStyle>
     <a:defPPr>
@@ -717,7 +716,7 @@
           <a:graphicData uri="http://schemas.openxmlformats.org/presentationml/2006/ole">
             <mc:AlternateContent xmlns:mc="http://schemas.openxmlformats.org/markup-compatibility/2006">
               <mc:Choice xmlns:v="urn:schemas-microsoft-com:vml" Requires="v">
-                <p:oleObj spid="_x0000_s109639" name="think-cell Slide" r:id="rId5" imgW="451" imgH="450" progId="TCLayout.ActiveDocument.1">
+                <p:oleObj spid="_x0000_s109641" name="think-cell Slide" r:id="rId5" imgW="451" imgH="450" progId="TCLayout.ActiveDocument.1">
                   <p:embed/>
                 </p:oleObj>
               </mc:Choice>
@@ -1253,7 +1252,7 @@
           <a:graphicData uri="http://schemas.openxmlformats.org/presentationml/2006/ole">
             <mc:AlternateContent xmlns:mc="http://schemas.openxmlformats.org/markup-compatibility/2006">
               <mc:Choice xmlns:v="urn:schemas-microsoft-com:vml" Requires="v">
-                <p:oleObj spid="_x0000_s112707" name="think-cell Slide" r:id="rId5" imgW="451" imgH="450" progId="TCLayout.ActiveDocument.1">
+                <p:oleObj spid="_x0000_s112709" name="think-cell Slide" r:id="rId5" imgW="451" imgH="450" progId="TCLayout.ActiveDocument.1">
                   <p:embed/>
                 </p:oleObj>
               </mc:Choice>
@@ -1483,7 +1482,7 @@
           <a:graphicData uri="http://schemas.openxmlformats.org/presentationml/2006/ole">
             <mc:AlternateContent xmlns:mc="http://schemas.openxmlformats.org/markup-compatibility/2006">
               <mc:Choice xmlns:v="urn:schemas-microsoft-com:vml" Requires="v">
-                <p:oleObj spid="_x0000_s110663" name="think-cell Slide" r:id="rId5" imgW="451" imgH="450" progId="TCLayout.ActiveDocument.1">
+                <p:oleObj spid="_x0000_s110665" name="think-cell Slide" r:id="rId5" imgW="451" imgH="450" progId="TCLayout.ActiveDocument.1">
                   <p:embed/>
                 </p:oleObj>
               </mc:Choice>
@@ -1801,7 +1800,7 @@
           <a:graphicData uri="http://schemas.openxmlformats.org/presentationml/2006/ole">
             <mc:AlternateContent xmlns:mc="http://schemas.openxmlformats.org/markup-compatibility/2006">
               <mc:Choice xmlns:v="urn:schemas-microsoft-com:vml" Requires="v">
-                <p:oleObj spid="_x0000_s199700" name="think-cell Slide" r:id="rId5" imgW="451" imgH="450" progId="TCLayout.ActiveDocument.1">
+                <p:oleObj spid="_x0000_s199702" name="think-cell Slide" r:id="rId5" imgW="451" imgH="450" progId="TCLayout.ActiveDocument.1">
                   <p:embed/>
                 </p:oleObj>
               </mc:Choice>
@@ -2202,7 +2201,7 @@
           <a:graphicData uri="http://schemas.openxmlformats.org/presentationml/2006/ole">
             <mc:AlternateContent xmlns:mc="http://schemas.openxmlformats.org/markup-compatibility/2006">
               <mc:Choice xmlns:v="urn:schemas-microsoft-com:vml" Requires="v">
-                <p:oleObj spid="_x0000_s108619" name="think-cell Slide" r:id="rId9" imgW="451" imgH="450" progId="TCLayout.ActiveDocument.1">
+                <p:oleObj spid="_x0000_s108621" name="think-cell Slide" r:id="rId9" imgW="451" imgH="450" progId="TCLayout.ActiveDocument.1">
                   <p:embed/>
                 </p:oleObj>
               </mc:Choice>
@@ -2963,7 +2962,7 @@
           <a:graphicData uri="http://schemas.openxmlformats.org/presentationml/2006/ole">
             <mc:AlternateContent xmlns:mc="http://schemas.openxmlformats.org/markup-compatibility/2006">
               <mc:Choice xmlns:v="urn:schemas-microsoft-com:vml" Requires="v">
-                <p:oleObj spid="_x0000_s235528" name="think-cell Slide" r:id="rId5" imgW="7772400" imgH="10058400" progId="TCLayout.ActiveDocument.1">
+                <p:oleObj spid="_x0000_s235530" name="think-cell Slide" r:id="rId5" imgW="7772400" imgH="10058400" progId="TCLayout.ActiveDocument.1">
                   <p:embed/>
                 </p:oleObj>
               </mc:Choice>
@@ -3809,7 +3808,7 @@
           <a:graphicData uri="http://schemas.openxmlformats.org/presentationml/2006/ole">
             <mc:AlternateContent xmlns:mc="http://schemas.openxmlformats.org/markup-compatibility/2006">
               <mc:Choice xmlns:v="urn:schemas-microsoft-com:vml" Requires="v">
-                <p:oleObj spid="_x0000_s234508" name="think-cell Slide" r:id="rId4" imgW="451" imgH="450" progId="TCLayout.ActiveDocument.1">
+                <p:oleObj spid="_x0000_s234510" name="think-cell Slide" r:id="rId4" imgW="451" imgH="450" progId="TCLayout.ActiveDocument.1">
                   <p:embed/>
                 </p:oleObj>
               </mc:Choice>
@@ -4993,7 +4992,7 @@
           <a:graphicData uri="http://schemas.openxmlformats.org/presentationml/2006/ole">
             <mc:AlternateContent xmlns:mc="http://schemas.openxmlformats.org/markup-compatibility/2006">
               <mc:Choice xmlns:v="urn:schemas-microsoft-com:vml" Requires="v">
-                <p:oleObj spid="_x0000_s236550" name="think-cell Slide" r:id="rId5" imgW="7772400" imgH="10058400" progId="TCLayout.ActiveDocument.1">
+                <p:oleObj spid="_x0000_s236552" name="think-cell Slide" r:id="rId5" imgW="7772400" imgH="10058400" progId="TCLayout.ActiveDocument.1">
                   <p:embed/>
                 </p:oleObj>
               </mc:Choice>
@@ -5668,7 +5667,7 @@
           <a:graphicData uri="http://schemas.openxmlformats.org/presentationml/2006/ole">
             <mc:AlternateContent xmlns:mc="http://schemas.openxmlformats.org/markup-compatibility/2006">
               <mc:Choice xmlns:v="urn:schemas-microsoft-com:vml" Requires="v">
-                <p:oleObj spid="_x0000_s237572" name="think-cell Slide" r:id="rId5" imgW="7772400" imgH="10058400" progId="TCLayout.ActiveDocument.1">
+                <p:oleObj spid="_x0000_s237574" name="think-cell Slide" r:id="rId5" imgW="7772400" imgH="10058400" progId="TCLayout.ActiveDocument.1">
                   <p:embed/>
                 </p:oleObj>
               </mc:Choice>
@@ -6307,7 +6306,7 @@
           <a:graphicData uri="http://schemas.openxmlformats.org/presentationml/2006/ole">
             <mc:AlternateContent xmlns:mc="http://schemas.openxmlformats.org/markup-compatibility/2006">
               <mc:Choice xmlns:v="urn:schemas-microsoft-com:vml" Requires="v">
-                <p:oleObj spid="_x0000_s238594" name="think-cell Slide" r:id="rId5" imgW="7772400" imgH="10058400" progId="TCLayout.ActiveDocument.1">
+                <p:oleObj spid="_x0000_s238596" name="think-cell Slide" r:id="rId5" imgW="7772400" imgH="10058400" progId="TCLayout.ActiveDocument.1">
                   <p:embed/>
                 </p:oleObj>
               </mc:Choice>
@@ -6803,8 +6802,12 @@
               <a:t>local</a:t>
             </a:r>
             <a:r>
-              <a:rPr lang="de-DE" sz="1800" i="1"/>
-              <a:t> master</a:t>
+              <a:rPr lang="de-DE" sz="1800" i="1" dirty="0"/>
+              <a:t> </a:t>
+            </a:r>
+            <a:r>
+              <a:rPr lang="de-DE" sz="1800" i="1" dirty="0" err="1"/>
+              <a:t>master</a:t>
             </a:r>
             <a:r>
               <a:rPr lang="de-DE" sz="1800" i="1" dirty="0"/>
@@ -6967,7 +6970,7 @@
           <a:p>
             <a:r>
               <a:rPr lang="en-US" sz="1800" dirty="0"/>
-              <a:t>To submit your changes to our official class repo you have to create a Pull Request for the feature branch on the </a:t>
+              <a:t>To submit your changes to the master you have to create a Pull Request for the feature branch on the </a:t>
             </a:r>
             <a:r>
               <a:rPr lang="en-US" sz="1800" dirty="0" err="1"/>
@@ -7229,7 +7232,7 @@
             </a:r>
             <a:r>
               <a:rPr lang="en-US" sz="1800" dirty="0"/>
-              <a:t> we accept your pull request and add your changes to the official repository you can clean up the fork</a:t>
+              <a:t> your pull request  has been accepted you can clean up the branch</a:t>
             </a:r>
           </a:p>
           <a:p>
@@ -7244,11 +7247,7 @@
             </a:pPr>
             <a:r>
               <a:rPr lang="en-US" sz="1800" i="1" dirty="0"/>
-              <a:t>git </a:t>
-            </a:r>
-            <a:r>
-              <a:rPr lang="en-US" sz="1800" i="1"/>
-              <a:t>checkout master</a:t>
+              <a:t>git checkout master</a:t>
             </a:r>
             <a:endParaRPr lang="en-US" sz="1800" dirty="0"/>
           </a:p>
@@ -7264,7 +7263,7 @@
             </a:pPr>
             <a:r>
               <a:rPr lang="en-US" sz="1800" i="1" dirty="0"/>
-              <a:t>git pull upstream master</a:t>
+              <a:t>git pull origin master</a:t>
             </a:r>
           </a:p>
           <a:p>
@@ -7309,83 +7308,6 @@
               <a:rPr lang="de-DE" sz="1800" i="1" dirty="0"/>
               <a:t>&gt;</a:t>
             </a:r>
-          </a:p>
-          <a:p>
-            <a:r>
-              <a:rPr lang="de-DE" sz="1800" dirty="0"/>
-              <a:t>Update </a:t>
-            </a:r>
-            <a:r>
-              <a:rPr lang="de-DE" sz="1800" dirty="0" err="1"/>
-              <a:t>the</a:t>
-            </a:r>
-            <a:r>
-              <a:rPr lang="de-DE" sz="1800" dirty="0"/>
-              <a:t> </a:t>
-            </a:r>
-            <a:r>
-              <a:rPr lang="de-DE" sz="1800" dirty="0" err="1"/>
-              <a:t>master</a:t>
-            </a:r>
-            <a:r>
-              <a:rPr lang="de-DE" sz="1800" dirty="0"/>
-              <a:t> </a:t>
-            </a:r>
-            <a:r>
-              <a:rPr lang="de-DE" sz="1800" dirty="0" err="1"/>
-              <a:t>branch</a:t>
-            </a:r>
-            <a:r>
-              <a:rPr lang="de-DE" sz="1800" dirty="0"/>
-              <a:t> in </a:t>
-            </a:r>
-            <a:r>
-              <a:rPr lang="de-DE" sz="1800" dirty="0" err="1"/>
-              <a:t>the</a:t>
-            </a:r>
-            <a:r>
-              <a:rPr lang="de-DE" sz="1800" dirty="0"/>
-              <a:t> </a:t>
-            </a:r>
-            <a:r>
-              <a:rPr lang="de-DE" sz="1800" dirty="0" err="1"/>
-              <a:t>forked</a:t>
-            </a:r>
-            <a:r>
-              <a:rPr lang="de-DE" sz="1800" dirty="0"/>
-              <a:t> </a:t>
-            </a:r>
-            <a:r>
-              <a:rPr lang="de-DE" sz="1800" dirty="0" err="1"/>
-              <a:t>repo</a:t>
-            </a:r>
-            <a:endParaRPr lang="de-DE" sz="1800" dirty="0"/>
-          </a:p>
-          <a:p>
-            <a:pPr marL="309563" lvl="1" indent="0">
-              <a:buNone/>
-            </a:pPr>
-            <a:r>
-              <a:rPr lang="de-DE" sz="1800" i="1" dirty="0" err="1"/>
-              <a:t>git</a:t>
-            </a:r>
-            <a:r>
-              <a:rPr lang="de-DE" sz="1800" i="1" dirty="0"/>
-              <a:t> push </a:t>
-            </a:r>
-            <a:r>
-              <a:rPr lang="de-DE" sz="1800" i="1" dirty="0" err="1"/>
-              <a:t>origin</a:t>
-            </a:r>
-            <a:r>
-              <a:rPr lang="de-DE" sz="1800" i="1" dirty="0"/>
-              <a:t> </a:t>
-            </a:r>
-            <a:r>
-              <a:rPr lang="de-DE" sz="1800" i="1" dirty="0" err="1"/>
-              <a:t>master</a:t>
-            </a:r>
-            <a:endParaRPr lang="de-DE" sz="1800" i="1" dirty="0"/>
           </a:p>
           <a:p>
             <a:r>
@@ -7504,246 +7426,6 @@
     <p:extLst>
       <p:ext uri="{BB962C8B-B14F-4D97-AF65-F5344CB8AC3E}">
         <p14:creationId xmlns:p14="http://schemas.microsoft.com/office/powerpoint/2010/main" val="1687682100"/>
-      </p:ext>
-    </p:extLst>
-  </p:cSld>
-  <p:clrMapOvr>
-    <a:masterClrMapping/>
-  </p:clrMapOvr>
-</p:sld>
-</file>
-
-<file path=ppt/slides/slide19.xml><?xml version="1.0" encoding="utf-8"?>
-<p:sld xmlns:a="http://schemas.openxmlformats.org/drawingml/2006/main" xmlns:r="http://schemas.openxmlformats.org/officeDocument/2006/relationships" xmlns:p="http://schemas.openxmlformats.org/presentationml/2006/main">
-  <p:cSld>
-    <p:spTree>
-      <p:nvGrpSpPr>
-        <p:cNvPr id="1" name=""/>
-        <p:cNvGrpSpPr/>
-        <p:nvPr/>
-      </p:nvGrpSpPr>
-      <p:grpSpPr>
-        <a:xfrm>
-          <a:off x="0" y="0"/>
-          <a:ext cx="0" cy="0"/>
-          <a:chOff x="0" y="0"/>
-          <a:chExt cx="0" cy="0"/>
-        </a:xfrm>
-      </p:grpSpPr>
-      <p:sp>
-        <p:nvSpPr>
-          <p:cNvPr id="2" name="Titel 1">
-            <a:extLst>
-              <a:ext uri="{FF2B5EF4-FFF2-40B4-BE49-F238E27FC236}">
-                <a16:creationId xmlns:a16="http://schemas.microsoft.com/office/drawing/2014/main" id="{005E07A9-9BFB-7D4B-895E-6BA275DDACBB}"/>
-              </a:ext>
-            </a:extLst>
-          </p:cNvPr>
-          <p:cNvSpPr>
-            <a:spLocks noGrp="1"/>
-          </p:cNvSpPr>
-          <p:nvPr>
-            <p:ph type="title"/>
-          </p:nvPr>
-        </p:nvSpPr>
-        <p:spPr/>
-        <p:txBody>
-          <a:bodyPr/>
-          <a:lstStyle/>
-          <a:p>
-            <a:r>
-              <a:rPr lang="de-DE" dirty="0" err="1"/>
-              <a:t>Thank</a:t>
-            </a:r>
-            <a:r>
-              <a:rPr lang="de-DE" dirty="0"/>
-              <a:t> </a:t>
-            </a:r>
-            <a:r>
-              <a:rPr lang="de-DE" dirty="0" err="1"/>
-              <a:t>you</a:t>
-            </a:r>
-            <a:r>
-              <a:rPr lang="de-DE" dirty="0"/>
-              <a:t>!</a:t>
-            </a:r>
-            <a:endParaRPr lang="en-US" dirty="0"/>
-          </a:p>
-        </p:txBody>
-      </p:sp>
-      <p:sp>
-        <p:nvSpPr>
-          <p:cNvPr id="3" name="Inhaltsplatzhalter 2">
-            <a:extLst>
-              <a:ext uri="{FF2B5EF4-FFF2-40B4-BE49-F238E27FC236}">
-                <a16:creationId xmlns:a16="http://schemas.microsoft.com/office/drawing/2014/main" id="{F2EEE2BF-8EED-DA49-8FAC-D715854C5B19}"/>
-              </a:ext>
-            </a:extLst>
-          </p:cNvPr>
-          <p:cNvSpPr>
-            <a:spLocks noGrp="1"/>
-          </p:cNvSpPr>
-          <p:nvPr>
-            <p:ph idx="1"/>
-          </p:nvPr>
-        </p:nvSpPr>
-        <p:spPr/>
-        <p:txBody>
-          <a:bodyPr/>
-          <a:lstStyle/>
-          <a:p>
-            <a:pPr>
-              <a:buNone/>
-            </a:pPr>
-            <a:endParaRPr lang="de-DE" dirty="0"/>
-          </a:p>
-          <a:p>
-            <a:pPr>
-              <a:buNone/>
-            </a:pPr>
-            <a:endParaRPr lang="de-DE" dirty="0"/>
-          </a:p>
-          <a:p>
-            <a:pPr>
-              <a:buNone/>
-            </a:pPr>
-            <a:r>
-              <a:rPr lang="de-DE" sz="2000" dirty="0"/>
-              <a:t>Nikolai Stein</a:t>
-            </a:r>
-          </a:p>
-          <a:p>
-            <a:pPr>
-              <a:buNone/>
-            </a:pPr>
-            <a:r>
-              <a:rPr lang="de-DE" sz="2000" dirty="0"/>
-              <a:t>Lehrstuhl für WI &amp; IM</a:t>
-            </a:r>
-          </a:p>
-          <a:p>
-            <a:pPr>
-              <a:buNone/>
-            </a:pPr>
-            <a:r>
-              <a:rPr lang="de-DE" sz="2000" dirty="0"/>
-              <a:t>Julius-Maximilians-Universität Würzburg</a:t>
-            </a:r>
-          </a:p>
-          <a:p>
-            <a:pPr>
-              <a:buNone/>
-            </a:pPr>
-            <a:r>
-              <a:rPr lang="de-DE" sz="2000" dirty="0"/>
-              <a:t>Josef-Stangl-Platz 2, 97070 Würzburg</a:t>
-            </a:r>
-          </a:p>
-          <a:p>
-            <a:pPr>
-              <a:buNone/>
-            </a:pPr>
-            <a:endParaRPr lang="de-DE" sz="2000" dirty="0"/>
-          </a:p>
-          <a:p>
-            <a:pPr>
-              <a:buNone/>
-            </a:pPr>
-            <a:r>
-              <a:rPr lang="de-DE" sz="2000" dirty="0" err="1"/>
-              <a:t>nikolai.stein@uni-wuerzburg.de</a:t>
-            </a:r>
-            <a:endParaRPr lang="de-DE" sz="2000" dirty="0"/>
-          </a:p>
-          <a:p>
-            <a:pPr>
-              <a:buNone/>
-            </a:pPr>
-            <a:r>
-              <a:rPr lang="de-DE" sz="2000" dirty="0" err="1"/>
-              <a:t>www.bwl.uni-wuerzburg.de</a:t>
-            </a:r>
-            <a:r>
-              <a:rPr lang="de-DE" sz="2000" dirty="0"/>
-              <a:t>/</a:t>
-            </a:r>
-            <a:r>
-              <a:rPr lang="de-DE" sz="2000" dirty="0" err="1"/>
-              <a:t>lehrstuehle</a:t>
-            </a:r>
-            <a:r>
-              <a:rPr lang="de-DE" sz="2000" dirty="0"/>
-              <a:t>/bwl12/</a:t>
-            </a:r>
-          </a:p>
-          <a:p>
-            <a:endParaRPr lang="en-US" dirty="0"/>
-          </a:p>
-        </p:txBody>
-      </p:sp>
-      <p:sp>
-        <p:nvSpPr>
-          <p:cNvPr id="4" name="Fußzeilenplatzhalter 3">
-            <a:extLst>
-              <a:ext uri="{FF2B5EF4-FFF2-40B4-BE49-F238E27FC236}">
-                <a16:creationId xmlns:a16="http://schemas.microsoft.com/office/drawing/2014/main" id="{8E42A1AE-184C-5746-B1B6-D473DCDACF28}"/>
-              </a:ext>
-            </a:extLst>
-          </p:cNvPr>
-          <p:cNvSpPr>
-            <a:spLocks noGrp="1"/>
-          </p:cNvSpPr>
-          <p:nvPr>
-            <p:ph type="ftr" sz="quarter" idx="10"/>
-          </p:nvPr>
-        </p:nvSpPr>
-        <p:spPr/>
-        <p:txBody>
-          <a:bodyPr/>
-          <a:lstStyle/>
-          <a:p>
-            <a:r>
-              <a:rPr lang="en-US"/>
-              <a:t>Git Basics</a:t>
-            </a:r>
-            <a:endParaRPr lang="en-US" dirty="0"/>
-          </a:p>
-        </p:txBody>
-      </p:sp>
-      <p:sp>
-        <p:nvSpPr>
-          <p:cNvPr id="5" name="Foliennummernplatzhalter 4">
-            <a:extLst>
-              <a:ext uri="{FF2B5EF4-FFF2-40B4-BE49-F238E27FC236}">
-                <a16:creationId xmlns:a16="http://schemas.microsoft.com/office/drawing/2014/main" id="{576F04FD-E6CD-6640-A0C2-1FF99B2780FF}"/>
-              </a:ext>
-            </a:extLst>
-          </p:cNvPr>
-          <p:cNvSpPr>
-            <a:spLocks noGrp="1"/>
-          </p:cNvSpPr>
-          <p:nvPr>
-            <p:ph type="sldNum" sz="quarter" idx="11"/>
-          </p:nvPr>
-        </p:nvSpPr>
-        <p:spPr/>
-        <p:txBody>
-          <a:bodyPr/>
-          <a:lstStyle/>
-          <a:p>
-            <a:fld id="{DBE8D993-E95F-491F-9987-D09E7E644F2F}" type="slidenum">
-              <a:rPr lang="en-US" smtClean="0"/>
-              <a:pPr/>
-              <a:t>19</a:t>
-            </a:fld>
-            <a:endParaRPr lang="en-US" dirty="0"/>
-          </a:p>
-        </p:txBody>
-      </p:sp>
-    </p:spTree>
-    <p:extLst>
-      <p:ext uri="{BB962C8B-B14F-4D97-AF65-F5344CB8AC3E}">
-        <p14:creationId xmlns:p14="http://schemas.microsoft.com/office/powerpoint/2010/main" val="4140654666"/>
       </p:ext>
     </p:extLst>
   </p:cSld>
@@ -7796,7 +7478,7 @@
           <a:graphicData uri="http://schemas.openxmlformats.org/presentationml/2006/ole">
             <mc:AlternateContent xmlns:mc="http://schemas.openxmlformats.org/markup-compatibility/2006">
               <mc:Choice xmlns:v="urn:schemas-microsoft-com:vml" Requires="v">
-                <p:oleObj spid="_x0000_s231438" name="think-cell Slide" r:id="rId4" imgW="451" imgH="450" progId="TCLayout.ActiveDocument.1">
+                <p:oleObj spid="_x0000_s231440" name="think-cell Slide" r:id="rId4" imgW="451" imgH="450" progId="TCLayout.ActiveDocument.1">
                   <p:embed/>
                 </p:oleObj>
               </mc:Choice>
@@ -9346,7 +9028,7 @@
           <a:graphicData uri="http://schemas.openxmlformats.org/presentationml/2006/ole">
             <mc:AlternateContent xmlns:mc="http://schemas.openxmlformats.org/markup-compatibility/2006">
               <mc:Choice xmlns:v="urn:schemas-microsoft-com:vml" Requires="v">
-                <p:oleObj spid="_x0000_s232460" name="think-cell Slide" r:id="rId4" imgW="451" imgH="450" progId="TCLayout.ActiveDocument.1">
+                <p:oleObj spid="_x0000_s232462" name="think-cell Slide" r:id="rId4" imgW="451" imgH="450" progId="TCLayout.ActiveDocument.1">
                   <p:embed/>
                 </p:oleObj>
               </mc:Choice>
@@ -11057,7 +10739,7 @@
           <a:graphicData uri="http://schemas.openxmlformats.org/presentationml/2006/ole">
             <mc:AlternateContent xmlns:mc="http://schemas.openxmlformats.org/markup-compatibility/2006">
               <mc:Choice xmlns:v="urn:schemas-microsoft-com:vml" Requires="v">
-                <p:oleObj spid="_x0000_s233484" name="think-cell Slide" r:id="rId4" imgW="451" imgH="450" progId="TCLayout.ActiveDocument.1">
+                <p:oleObj spid="_x0000_s233486" name="think-cell Slide" r:id="rId4" imgW="451" imgH="450" progId="TCLayout.ActiveDocument.1">
                   <p:embed/>
                 </p:oleObj>
               </mc:Choice>

--- a/01_Version Control.pptx
+++ b/01_Version Control.pptx
@@ -5,10 +5,10 @@
     <p:sldMasterId id="2147483648" r:id="rId1"/>
   </p:sldMasterIdLst>
   <p:notesMasterIdLst>
-    <p:notesMasterId r:id="rId20"/>
+    <p:notesMasterId r:id="rId21"/>
   </p:notesMasterIdLst>
   <p:handoutMasterIdLst>
-    <p:handoutMasterId r:id="rId21"/>
+    <p:handoutMasterId r:id="rId22"/>
   </p:handoutMasterIdLst>
   <p:sldIdLst>
     <p:sldId id="256" r:id="rId2"/>
@@ -29,11 +29,12 @@
     <p:sldId id="312" r:id="rId17"/>
     <p:sldId id="314" r:id="rId18"/>
     <p:sldId id="317" r:id="rId19"/>
+    <p:sldId id="321" r:id="rId20"/>
   </p:sldIdLst>
   <p:sldSz cx="12192000" cy="6858000"/>
   <p:notesSz cx="9926638" cy="6797675"/>
   <p:custDataLst>
-    <p:tags r:id="rId22"/>
+    <p:tags r:id="rId23"/>
   </p:custDataLst>
   <p:defaultTextStyle>
     <a:defPPr>
@@ -716,7 +717,7 @@
           <a:graphicData uri="http://schemas.openxmlformats.org/presentationml/2006/ole">
             <mc:AlternateContent xmlns:mc="http://schemas.openxmlformats.org/markup-compatibility/2006">
               <mc:Choice xmlns:v="urn:schemas-microsoft-com:vml" Requires="v">
-                <p:oleObj spid="_x0000_s109641" name="think-cell Slide" r:id="rId5" imgW="451" imgH="450" progId="TCLayout.ActiveDocument.1">
+                <p:oleObj spid="_x0000_s109645" name="think-cell Slide" r:id="rId5" imgW="451" imgH="450" progId="TCLayout.ActiveDocument.1">
                   <p:embed/>
                 </p:oleObj>
               </mc:Choice>
@@ -1252,7 +1253,7 @@
           <a:graphicData uri="http://schemas.openxmlformats.org/presentationml/2006/ole">
             <mc:AlternateContent xmlns:mc="http://schemas.openxmlformats.org/markup-compatibility/2006">
               <mc:Choice xmlns:v="urn:schemas-microsoft-com:vml" Requires="v">
-                <p:oleObj spid="_x0000_s112709" name="think-cell Slide" r:id="rId5" imgW="451" imgH="450" progId="TCLayout.ActiveDocument.1">
+                <p:oleObj spid="_x0000_s112713" name="think-cell Slide" r:id="rId5" imgW="451" imgH="450" progId="TCLayout.ActiveDocument.1">
                   <p:embed/>
                 </p:oleObj>
               </mc:Choice>
@@ -1482,7 +1483,7 @@
           <a:graphicData uri="http://schemas.openxmlformats.org/presentationml/2006/ole">
             <mc:AlternateContent xmlns:mc="http://schemas.openxmlformats.org/markup-compatibility/2006">
               <mc:Choice xmlns:v="urn:schemas-microsoft-com:vml" Requires="v">
-                <p:oleObj spid="_x0000_s110665" name="think-cell Slide" r:id="rId5" imgW="451" imgH="450" progId="TCLayout.ActiveDocument.1">
+                <p:oleObj spid="_x0000_s110669" name="think-cell Slide" r:id="rId5" imgW="451" imgH="450" progId="TCLayout.ActiveDocument.1">
                   <p:embed/>
                 </p:oleObj>
               </mc:Choice>
@@ -1800,7 +1801,7 @@
           <a:graphicData uri="http://schemas.openxmlformats.org/presentationml/2006/ole">
             <mc:AlternateContent xmlns:mc="http://schemas.openxmlformats.org/markup-compatibility/2006">
               <mc:Choice xmlns:v="urn:schemas-microsoft-com:vml" Requires="v">
-                <p:oleObj spid="_x0000_s199702" name="think-cell Slide" r:id="rId5" imgW="451" imgH="450" progId="TCLayout.ActiveDocument.1">
+                <p:oleObj spid="_x0000_s199706" name="think-cell Slide" r:id="rId5" imgW="451" imgH="450" progId="TCLayout.ActiveDocument.1">
                   <p:embed/>
                 </p:oleObj>
               </mc:Choice>
@@ -2201,7 +2202,7 @@
           <a:graphicData uri="http://schemas.openxmlformats.org/presentationml/2006/ole">
             <mc:AlternateContent xmlns:mc="http://schemas.openxmlformats.org/markup-compatibility/2006">
               <mc:Choice xmlns:v="urn:schemas-microsoft-com:vml" Requires="v">
-                <p:oleObj spid="_x0000_s108621" name="think-cell Slide" r:id="rId9" imgW="451" imgH="450" progId="TCLayout.ActiveDocument.1">
+                <p:oleObj spid="_x0000_s108625" name="think-cell Slide" r:id="rId9" imgW="451" imgH="450" progId="TCLayout.ActiveDocument.1">
                   <p:embed/>
                 </p:oleObj>
               </mc:Choice>
@@ -2962,7 +2963,7 @@
           <a:graphicData uri="http://schemas.openxmlformats.org/presentationml/2006/ole">
             <mc:AlternateContent xmlns:mc="http://schemas.openxmlformats.org/markup-compatibility/2006">
               <mc:Choice xmlns:v="urn:schemas-microsoft-com:vml" Requires="v">
-                <p:oleObj spid="_x0000_s235530" name="think-cell Slide" r:id="rId5" imgW="7772400" imgH="10058400" progId="TCLayout.ActiveDocument.1">
+                <p:oleObj spid="_x0000_s235534" name="think-cell Slide" r:id="rId5" imgW="7772400" imgH="10058400" progId="TCLayout.ActiveDocument.1">
                   <p:embed/>
                 </p:oleObj>
               </mc:Choice>
@@ -3808,7 +3809,7 @@
           <a:graphicData uri="http://schemas.openxmlformats.org/presentationml/2006/ole">
             <mc:AlternateContent xmlns:mc="http://schemas.openxmlformats.org/markup-compatibility/2006">
               <mc:Choice xmlns:v="urn:schemas-microsoft-com:vml" Requires="v">
-                <p:oleObj spid="_x0000_s234510" name="think-cell Slide" r:id="rId4" imgW="451" imgH="450" progId="TCLayout.ActiveDocument.1">
+                <p:oleObj spid="_x0000_s234514" name="think-cell Slide" r:id="rId4" imgW="451" imgH="450" progId="TCLayout.ActiveDocument.1">
                   <p:embed/>
                 </p:oleObj>
               </mc:Choice>
@@ -4992,7 +4993,7 @@
           <a:graphicData uri="http://schemas.openxmlformats.org/presentationml/2006/ole">
             <mc:AlternateContent xmlns:mc="http://schemas.openxmlformats.org/markup-compatibility/2006">
               <mc:Choice xmlns:v="urn:schemas-microsoft-com:vml" Requires="v">
-                <p:oleObj spid="_x0000_s236552" name="think-cell Slide" r:id="rId5" imgW="7772400" imgH="10058400" progId="TCLayout.ActiveDocument.1">
+                <p:oleObj spid="_x0000_s236556" name="think-cell Slide" r:id="rId5" imgW="7772400" imgH="10058400" progId="TCLayout.ActiveDocument.1">
                   <p:embed/>
                 </p:oleObj>
               </mc:Choice>
@@ -5667,7 +5668,7 @@
           <a:graphicData uri="http://schemas.openxmlformats.org/presentationml/2006/ole">
             <mc:AlternateContent xmlns:mc="http://schemas.openxmlformats.org/markup-compatibility/2006">
               <mc:Choice xmlns:v="urn:schemas-microsoft-com:vml" Requires="v">
-                <p:oleObj spid="_x0000_s237574" name="think-cell Slide" r:id="rId5" imgW="7772400" imgH="10058400" progId="TCLayout.ActiveDocument.1">
+                <p:oleObj spid="_x0000_s237578" name="think-cell Slide" r:id="rId5" imgW="7772400" imgH="10058400" progId="TCLayout.ActiveDocument.1">
                   <p:embed/>
                 </p:oleObj>
               </mc:Choice>
@@ -6306,7 +6307,7 @@
           <a:graphicData uri="http://schemas.openxmlformats.org/presentationml/2006/ole">
             <mc:AlternateContent xmlns:mc="http://schemas.openxmlformats.org/markup-compatibility/2006">
               <mc:Choice xmlns:v="urn:schemas-microsoft-com:vml" Requires="v">
-                <p:oleObj spid="_x0000_s238596" name="think-cell Slide" r:id="rId5" imgW="7772400" imgH="10058400" progId="TCLayout.ActiveDocument.1">
+                <p:oleObj spid="_x0000_s238600" name="think-cell Slide" r:id="rId5" imgW="7772400" imgH="10058400" progId="TCLayout.ActiveDocument.1">
                   <p:embed/>
                 </p:oleObj>
               </mc:Choice>
@@ -7435,6 +7436,391 @@
 </p:sld>
 </file>
 
+<file path=ppt/slides/slide19.xml><?xml version="1.0" encoding="utf-8"?>
+<p:sld xmlns:a="http://schemas.openxmlformats.org/drawingml/2006/main" xmlns:r="http://schemas.openxmlformats.org/officeDocument/2006/relationships" xmlns:p="http://schemas.openxmlformats.org/presentationml/2006/main">
+  <p:cSld>
+    <p:spTree>
+      <p:nvGrpSpPr>
+        <p:cNvPr id="1" name=""/>
+        <p:cNvGrpSpPr/>
+        <p:nvPr/>
+      </p:nvGrpSpPr>
+      <p:grpSpPr>
+        <a:xfrm>
+          <a:off x="0" y="0"/>
+          <a:ext cx="0" cy="0"/>
+          <a:chOff x="0" y="0"/>
+          <a:chExt cx="0" cy="0"/>
+        </a:xfrm>
+      </p:grpSpPr>
+      <p:graphicFrame>
+        <p:nvGraphicFramePr>
+          <p:cNvPr id="8" name="Object 7" hidden="1">
+            <a:extLst>
+              <a:ext uri="{FF2B5EF4-FFF2-40B4-BE49-F238E27FC236}">
+                <a16:creationId xmlns:a16="http://schemas.microsoft.com/office/drawing/2014/main" id="{F49F05A7-0FF4-7043-8FC6-9E52DDB21978}"/>
+              </a:ext>
+            </a:extLst>
+          </p:cNvPr>
+          <p:cNvGraphicFramePr>
+            <a:graphicFrameLocks noChangeAspect="1"/>
+          </p:cNvGraphicFramePr>
+          <p:nvPr>
+            <p:custDataLst>
+              <p:tags r:id="rId2"/>
+            </p:custDataLst>
+            <p:extLst>
+              <p:ext uri="{D42A27DB-BD31-4B8C-83A1-F6EECF244321}">
+                <p14:modId xmlns:p14="http://schemas.microsoft.com/office/powerpoint/2010/main" val="1641464342"/>
+              </p:ext>
+            </p:extLst>
+          </p:nvPr>
+        </p:nvGraphicFramePr>
+        <p:xfrm>
+          <a:off x="1588" y="1588"/>
+          <a:ext cx="1587" cy="1587"/>
+        </p:xfrm>
+        <a:graphic>
+          <a:graphicData uri="http://schemas.openxmlformats.org/presentationml/2006/ole">
+            <mc:AlternateContent xmlns:mc="http://schemas.openxmlformats.org/markup-compatibility/2006">
+              <mc:Choice xmlns:v="urn:schemas-microsoft-com:vml" Requires="v">
+                <p:oleObj spid="_x0000_s243716" name="think-cell Slide" r:id="rId5" imgW="7772400" imgH="10058400" progId="TCLayout.ActiveDocument.1">
+                  <p:embed/>
+                </p:oleObj>
+              </mc:Choice>
+              <mc:Fallback>
+                <p:oleObj name="think-cell Slide" r:id="rId5" imgW="7772400" imgH="10058400" progId="TCLayout.ActiveDocument.1">
+                  <p:embed/>
+                  <p:pic>
+                    <p:nvPicPr>
+                      <p:cNvPr id="0" name=""/>
+                      <p:cNvPicPr/>
+                      <p:nvPr/>
+                    </p:nvPicPr>
+                    <p:blipFill>
+                      <a:blip r:embed="rId6"/>
+                      <a:stretch>
+                        <a:fillRect/>
+                      </a:stretch>
+                    </p:blipFill>
+                    <p:spPr>
+                      <a:xfrm>
+                        <a:off x="1588" y="1588"/>
+                        <a:ext cx="1587" cy="1587"/>
+                      </a:xfrm>
+                      <a:prstGeom prst="rect">
+                        <a:avLst/>
+                      </a:prstGeom>
+                    </p:spPr>
+                  </p:pic>
+                </p:oleObj>
+              </mc:Fallback>
+            </mc:AlternateContent>
+          </a:graphicData>
+        </a:graphic>
+      </p:graphicFrame>
+      <p:sp>
+        <p:nvSpPr>
+          <p:cNvPr id="7" name="Rectangle 6" hidden="1">
+            <a:extLst>
+              <a:ext uri="{FF2B5EF4-FFF2-40B4-BE49-F238E27FC236}">
+                <a16:creationId xmlns:a16="http://schemas.microsoft.com/office/drawing/2014/main" id="{17105553-1E07-574C-97CB-2CA7655B2623}"/>
+              </a:ext>
+            </a:extLst>
+          </p:cNvPr>
+          <p:cNvSpPr/>
+          <p:nvPr>
+            <p:custDataLst>
+              <p:tags r:id="rId3"/>
+            </p:custDataLst>
+          </p:nvPr>
+        </p:nvSpPr>
+        <p:spPr>
+          <a:xfrm>
+            <a:off x="0" y="0"/>
+            <a:ext cx="158750" cy="158750"/>
+          </a:xfrm>
+          <a:prstGeom prst="rect">
+            <a:avLst/>
+          </a:prstGeom>
+        </p:spPr>
+        <p:style>
+          <a:lnRef idx="2">
+            <a:schemeClr val="accent1">
+              <a:shade val="50000"/>
+            </a:schemeClr>
+          </a:lnRef>
+          <a:fillRef idx="1">
+            <a:schemeClr val="accent1"/>
+          </a:fillRef>
+          <a:effectRef idx="0">
+            <a:schemeClr val="accent1"/>
+          </a:effectRef>
+          <a:fontRef idx="minor">
+            <a:schemeClr val="lt1"/>
+          </a:fontRef>
+        </p:style>
+        <p:txBody>
+          <a:bodyPr rot="0" spcFirstLastPara="0" vertOverflow="overflow" horzOverflow="overflow" vert="horz" wrap="none" lIns="0" tIns="0" rIns="0" bIns="0" numCol="1" spcCol="0" rtlCol="0" fromWordArt="0" anchor="ctr" anchorCtr="0" forceAA="0" compatLnSpc="1">
+            <a:prstTxWarp prst="textNoShape">
+              <a:avLst/>
+            </a:prstTxWarp>
+            <a:noAutofit/>
+          </a:bodyPr>
+          <a:lstStyle/>
+          <a:p>
+            <a:pPr algn="ctr"/>
+            <a:endParaRPr lang="en-US" sz="2400" b="1" dirty="0">
+              <a:latin typeface="Arial" panose="020B0604020202020204" pitchFamily="34" charset="0"/>
+              <a:ea typeface="+mj-ea"/>
+              <a:sym typeface="Arial" panose="020B0604020202020204" pitchFamily="34" charset="0"/>
+            </a:endParaRPr>
+          </a:p>
+        </p:txBody>
+      </p:sp>
+      <p:sp>
+        <p:nvSpPr>
+          <p:cNvPr id="2" name="Title 1">
+            <a:extLst>
+              <a:ext uri="{FF2B5EF4-FFF2-40B4-BE49-F238E27FC236}">
+                <a16:creationId xmlns:a16="http://schemas.microsoft.com/office/drawing/2014/main" id="{4BB94C6E-B411-8F4C-B858-72DD0F996AC0}"/>
+              </a:ext>
+            </a:extLst>
+          </p:cNvPr>
+          <p:cNvSpPr>
+            <a:spLocks noGrp="1"/>
+          </p:cNvSpPr>
+          <p:nvPr>
+            <p:ph type="title"/>
+          </p:nvPr>
+        </p:nvSpPr>
+        <p:spPr/>
+        <p:txBody>
+          <a:bodyPr/>
+          <a:lstStyle/>
+          <a:p>
+            <a:r>
+              <a:rPr lang="en-US"/>
+              <a:t>Some helpful tools if you don‘t like the command line</a:t>
+            </a:r>
+          </a:p>
+        </p:txBody>
+      </p:sp>
+      <p:sp>
+        <p:nvSpPr>
+          <p:cNvPr id="3" name="Content Placeholder 2">
+            <a:extLst>
+              <a:ext uri="{FF2B5EF4-FFF2-40B4-BE49-F238E27FC236}">
+                <a16:creationId xmlns:a16="http://schemas.microsoft.com/office/drawing/2014/main" id="{5CBD7413-FF5F-A840-ACF5-2A8F1E2E51A2}"/>
+              </a:ext>
+            </a:extLst>
+          </p:cNvPr>
+          <p:cNvSpPr>
+            <a:spLocks noGrp="1"/>
+          </p:cNvSpPr>
+          <p:nvPr>
+            <p:ph idx="1"/>
+          </p:nvPr>
+        </p:nvSpPr>
+        <p:spPr/>
+        <p:txBody>
+          <a:bodyPr/>
+          <a:lstStyle/>
+          <a:p>
+            <a:r>
+              <a:rPr lang="de-DE" dirty="0" err="1"/>
+              <a:t>JupyterLab</a:t>
+            </a:r>
+            <a:r>
+              <a:rPr lang="de-DE" dirty="0"/>
+              <a:t> </a:t>
+            </a:r>
+            <a:r>
+              <a:rPr lang="de-DE" dirty="0" err="1"/>
+              <a:t>Git</a:t>
+            </a:r>
+            <a:r>
+              <a:rPr lang="de-DE" dirty="0"/>
+              <a:t> </a:t>
+            </a:r>
+            <a:r>
+              <a:rPr lang="de-DE" dirty="0" err="1"/>
+              <a:t>extension</a:t>
+            </a:r>
+            <a:r>
+              <a:rPr lang="de-DE" dirty="0"/>
+              <a:t>:</a:t>
+            </a:r>
+          </a:p>
+          <a:p>
+            <a:pPr lvl="1"/>
+            <a:r>
+              <a:rPr lang="de-DE" dirty="0">
+                <a:hlinkClick r:id="rId7"/>
+              </a:rPr>
+              <a:t>https://github.com/jupyterlab/jupyterlab-git</a:t>
+            </a:r>
+            <a:endParaRPr lang="de-DE" dirty="0"/>
+          </a:p>
+          <a:p>
+            <a:pPr marL="309563" lvl="1" indent="0">
+              <a:buNone/>
+            </a:pPr>
+            <a:endParaRPr lang="de-DE" dirty="0"/>
+          </a:p>
+          <a:p>
+            <a:r>
+              <a:rPr lang="de-DE" dirty="0" err="1"/>
+              <a:t>Ungit</a:t>
+            </a:r>
+            <a:r>
+              <a:rPr lang="de-DE" dirty="0"/>
+              <a:t>:</a:t>
+            </a:r>
+          </a:p>
+          <a:p>
+            <a:pPr lvl="1"/>
+            <a:r>
+              <a:rPr lang="de-DE" dirty="0">
+                <a:hlinkClick r:id="rId8"/>
+              </a:rPr>
+              <a:t>https://github.com/FredrikNoren/ungit</a:t>
+            </a:r>
+            <a:endParaRPr lang="de-DE" dirty="0"/>
+          </a:p>
+          <a:p>
+            <a:endParaRPr lang="de-DE" dirty="0"/>
+          </a:p>
+          <a:p>
+            <a:r>
+              <a:rPr lang="de-DE" dirty="0" err="1"/>
+              <a:t>Sourcetree</a:t>
+            </a:r>
+            <a:r>
+              <a:rPr lang="de-DE" dirty="0"/>
+              <a:t>:</a:t>
+            </a:r>
+          </a:p>
+          <a:p>
+            <a:pPr lvl="1"/>
+            <a:r>
+              <a:rPr lang="de-DE" dirty="0">
+                <a:hlinkClick r:id="rId9"/>
+              </a:rPr>
+              <a:t>https://www.sourcetreeapp.com</a:t>
+            </a:r>
+            <a:endParaRPr lang="de-DE" dirty="0"/>
+          </a:p>
+          <a:p>
+            <a:pPr lvl="1"/>
+            <a:endParaRPr lang="de-DE" dirty="0"/>
+          </a:p>
+        </p:txBody>
+      </p:sp>
+      <p:sp>
+        <p:nvSpPr>
+          <p:cNvPr id="4" name="Footer Placeholder 3">
+            <a:extLst>
+              <a:ext uri="{FF2B5EF4-FFF2-40B4-BE49-F238E27FC236}">
+                <a16:creationId xmlns:a16="http://schemas.microsoft.com/office/drawing/2014/main" id="{480978DA-D2B1-D542-B065-8EDB23F6257D}"/>
+              </a:ext>
+            </a:extLst>
+          </p:cNvPr>
+          <p:cNvSpPr>
+            <a:spLocks noGrp="1"/>
+          </p:cNvSpPr>
+          <p:nvPr>
+            <p:ph type="ftr" sz="quarter" idx="10"/>
+          </p:nvPr>
+        </p:nvSpPr>
+        <p:spPr/>
+        <p:txBody>
+          <a:bodyPr/>
+          <a:lstStyle/>
+          <a:p>
+            <a:r>
+              <a:rPr lang="en-US"/>
+              <a:t>Git Basics</a:t>
+            </a:r>
+            <a:endParaRPr lang="en-US" dirty="0"/>
+          </a:p>
+        </p:txBody>
+      </p:sp>
+      <p:sp>
+        <p:nvSpPr>
+          <p:cNvPr id="5" name="Slide Number Placeholder 4">
+            <a:extLst>
+              <a:ext uri="{FF2B5EF4-FFF2-40B4-BE49-F238E27FC236}">
+                <a16:creationId xmlns:a16="http://schemas.microsoft.com/office/drawing/2014/main" id="{083EF617-52B4-E34A-B804-9CFC071A5527}"/>
+              </a:ext>
+            </a:extLst>
+          </p:cNvPr>
+          <p:cNvSpPr>
+            <a:spLocks noGrp="1"/>
+          </p:cNvSpPr>
+          <p:nvPr>
+            <p:ph type="sldNum" sz="quarter" idx="11"/>
+          </p:nvPr>
+        </p:nvSpPr>
+        <p:spPr/>
+        <p:txBody>
+          <a:bodyPr/>
+          <a:lstStyle/>
+          <a:p>
+            <a:fld id="{DBE8D993-E95F-491F-9987-D09E7E644F2F}" type="slidenum">
+              <a:rPr lang="en-US" smtClean="0"/>
+              <a:pPr/>
+              <a:t>19</a:t>
+            </a:fld>
+            <a:endParaRPr lang="en-US" dirty="0"/>
+          </a:p>
+        </p:txBody>
+      </p:sp>
+      <p:pic>
+        <p:nvPicPr>
+          <p:cNvPr id="9" name="Content Placeholder 8">
+            <a:extLst>
+              <a:ext uri="{FF2B5EF4-FFF2-40B4-BE49-F238E27FC236}">
+                <a16:creationId xmlns:a16="http://schemas.microsoft.com/office/drawing/2014/main" id="{0EF9E1DD-8100-2E42-AD52-A3B20C4D4DA4}"/>
+              </a:ext>
+            </a:extLst>
+          </p:cNvPr>
+          <p:cNvPicPr>
+            <a:picLocks noGrp="1" noChangeAspect="1"/>
+          </p:cNvPicPr>
+          <p:nvPr>
+            <p:ph sz="quarter" idx="12"/>
+          </p:nvPr>
+        </p:nvPicPr>
+        <p:blipFill>
+          <a:blip r:embed="rId10"/>
+          <a:stretch>
+            <a:fillRect/>
+          </a:stretch>
+        </p:blipFill>
+        <p:spPr>
+          <a:xfrm>
+            <a:off x="6173972" y="1837537"/>
+            <a:ext cx="5165541" cy="4006012"/>
+          </a:xfrm>
+          <a:prstGeom prst="rect">
+            <a:avLst/>
+          </a:prstGeom>
+        </p:spPr>
+      </p:pic>
+    </p:spTree>
+    <p:extLst>
+      <p:ext uri="{BB962C8B-B14F-4D97-AF65-F5344CB8AC3E}">
+        <p14:creationId xmlns:p14="http://schemas.microsoft.com/office/powerpoint/2010/main" val="1956797873"/>
+      </p:ext>
+    </p:extLst>
+  </p:cSld>
+  <p:clrMapOvr>
+    <a:masterClrMapping/>
+  </p:clrMapOvr>
+</p:sld>
+</file>
+
 <file path=ppt/slides/slide2.xml><?xml version="1.0" encoding="utf-8"?>
 <p:sld xmlns:a="http://schemas.openxmlformats.org/drawingml/2006/main" xmlns:r="http://schemas.openxmlformats.org/officeDocument/2006/relationships" xmlns:p="http://schemas.openxmlformats.org/presentationml/2006/main">
   <p:cSld>
@@ -7478,7 +7864,7 @@
           <a:graphicData uri="http://schemas.openxmlformats.org/presentationml/2006/ole">
             <mc:AlternateContent xmlns:mc="http://schemas.openxmlformats.org/markup-compatibility/2006">
               <mc:Choice xmlns:v="urn:schemas-microsoft-com:vml" Requires="v">
-                <p:oleObj spid="_x0000_s231440" name="think-cell Slide" r:id="rId4" imgW="451" imgH="450" progId="TCLayout.ActiveDocument.1">
+                <p:oleObj spid="_x0000_s231444" name="think-cell Slide" r:id="rId4" imgW="451" imgH="450" progId="TCLayout.ActiveDocument.1">
                   <p:embed/>
                 </p:oleObj>
               </mc:Choice>
@@ -9028,7 +9414,7 @@
           <a:graphicData uri="http://schemas.openxmlformats.org/presentationml/2006/ole">
             <mc:AlternateContent xmlns:mc="http://schemas.openxmlformats.org/markup-compatibility/2006">
               <mc:Choice xmlns:v="urn:schemas-microsoft-com:vml" Requires="v">
-                <p:oleObj spid="_x0000_s232462" name="think-cell Slide" r:id="rId4" imgW="451" imgH="450" progId="TCLayout.ActiveDocument.1">
+                <p:oleObj spid="_x0000_s232466" name="think-cell Slide" r:id="rId4" imgW="451" imgH="450" progId="TCLayout.ActiveDocument.1">
                   <p:embed/>
                 </p:oleObj>
               </mc:Choice>
@@ -10739,7 +11125,7 @@
           <a:graphicData uri="http://schemas.openxmlformats.org/presentationml/2006/ole">
             <mc:AlternateContent xmlns:mc="http://schemas.openxmlformats.org/markup-compatibility/2006">
               <mc:Choice xmlns:v="urn:schemas-microsoft-com:vml" Requires="v">
-                <p:oleObj spid="_x0000_s233486" name="think-cell Slide" r:id="rId4" imgW="451" imgH="450" progId="TCLayout.ActiveDocument.1">
+                <p:oleObj spid="_x0000_s233490" name="think-cell Slide" r:id="rId4" imgW="451" imgH="450" progId="TCLayout.ActiveDocument.1">
                   <p:embed/>
                 </p:oleObj>
               </mc:Choice>
@@ -12185,6 +12571,18 @@
 <file path=ppt/tags/tag23.xml><?xml version="1.0" encoding="utf-8"?>
 <p:tagLst xmlns:a="http://schemas.openxmlformats.org/drawingml/2006/main" xmlns:r="http://schemas.openxmlformats.org/officeDocument/2006/relationships" xmlns:p="http://schemas.openxmlformats.org/presentationml/2006/main">
   <p:tag name="THINKCELLSHAPEDONOTDELETE" val="ti1FGn0QE1I57lxlEkddJOg"/>
+</p:tagLst>
+</file>
+
+<file path=ppt/tags/tag24.xml><?xml version="1.0" encoding="utf-8"?>
+<p:tagLst xmlns:a="http://schemas.openxmlformats.org/drawingml/2006/main" xmlns:r="http://schemas.openxmlformats.org/officeDocument/2006/relationships" xmlns:p="http://schemas.openxmlformats.org/presentationml/2006/main">
+  <p:tag name="THINKCELLSHAPEDONOTDELETE" val="thinkcellActiveDocDoNotDelete"/>
+</p:tagLst>
+</file>
+
+<file path=ppt/tags/tag25.xml><?xml version="1.0" encoding="utf-8"?>
+<p:tagLst xmlns:a="http://schemas.openxmlformats.org/drawingml/2006/main" xmlns:r="http://schemas.openxmlformats.org/officeDocument/2006/relationships" xmlns:p="http://schemas.openxmlformats.org/presentationml/2006/main">
+  <p:tag name="THINKCELLSHAPEDONOTDELETE" val="tOMgzUEXHKgwParkv5VQAmQ"/>
 </p:tagLst>
 </file>
 
